--- a/SQL INTRO.pptx
+++ b/SQL INTRO.pptx
@@ -3579,6 +3579,9 @@
               <a:t>March 19, 2020 </a:t>
             </a:r>
           </a:p>
+          <a:p>
+            <a:endParaRPr lang="en-US" dirty="0"/>
+          </a:p>
         </p:txBody>
       </p:sp>
     </p:spTree>
@@ -5433,7 +5436,7 @@
         <p:spPr/>
         <p:txBody>
           <a:bodyPr>
-            <a:normAutofit/>
+            <a:normAutofit lnSpcReduction="10000"/>
           </a:bodyPr>
           <a:lstStyle/>
           <a:p>
@@ -5527,6 +5530,15 @@
               <a:rPr lang="en-US" dirty="0"/>
               <a:t>Questions</a:t>
             </a:r>
+          </a:p>
+          <a:p>
+            <a:r>
+              <a:rPr lang="en-US" dirty="0">
+                <a:hlinkClick r:id="rId2"/>
+              </a:rPr>
+              <a:t>https://github.com/ovando-lulu/wtm-modesto-intro-to-sql</a:t>
+            </a:r>
+            <a:endParaRPr lang="en-US" dirty="0"/>
           </a:p>
         </p:txBody>
       </p:sp>
